--- a/Review.pptx
+++ b/Review.pptx
@@ -5,8 +5,12 @@
     <p:sldMasterId id="2147483648" r:id="rId1"/>
   </p:sldMasterIdLst>
   <p:sldIdLst>
-    <p:sldId id="256" r:id="rId2"/>
-    <p:sldId id="257" r:id="rId3"/>
+    <p:sldId id="257" r:id="rId2"/>
+    <p:sldId id="258" r:id="rId3"/>
+    <p:sldId id="262" r:id="rId4"/>
+    <p:sldId id="259" r:id="rId5"/>
+    <p:sldId id="260" r:id="rId6"/>
+    <p:sldId id="261" r:id="rId7"/>
   </p:sldIdLst>
   <p:sldSz cx="12192000" cy="6858000"/>
   <p:notesSz cx="6858000" cy="9144000"/>
@@ -105,6 +109,11 @@
       </a:defRPr>
     </a:lvl9pPr>
   </p:defaultTextStyle>
+  <p:extLst>
+    <p:ext uri="{EFAFB233-063F-42B5-8137-9DF3F51BA10A}">
+      <p15:sldGuideLst xmlns:p15="http://schemas.microsoft.com/office/powerpoint/2012/main"/>
+    </p:ext>
+  </p:extLst>
 </p:presentation>
 </file>
 
@@ -255,7 +264,7 @@
           <a:p>
             <a:fld id="{A9C90B87-DE1A-4FDE-9895-3F8FF2A5AC79}" type="datetimeFigureOut">
               <a:rPr lang="zh-CN" altLang="en-US" smtClean="0"/>
-              <a:t>2024/11/15</a:t>
+              <a:t>2024/11/25</a:t>
             </a:fld>
             <a:endParaRPr lang="zh-CN" altLang="en-US"/>
           </a:p>
@@ -453,7 +462,7 @@
           <a:p>
             <a:fld id="{A9C90B87-DE1A-4FDE-9895-3F8FF2A5AC79}" type="datetimeFigureOut">
               <a:rPr lang="zh-CN" altLang="en-US" smtClean="0"/>
-              <a:t>2024/11/15</a:t>
+              <a:t>2024/11/25</a:t>
             </a:fld>
             <a:endParaRPr lang="zh-CN" altLang="en-US"/>
           </a:p>
@@ -661,7 +670,7 @@
           <a:p>
             <a:fld id="{A9C90B87-DE1A-4FDE-9895-3F8FF2A5AC79}" type="datetimeFigureOut">
               <a:rPr lang="zh-CN" altLang="en-US" smtClean="0"/>
-              <a:t>2024/11/15</a:t>
+              <a:t>2024/11/25</a:t>
             </a:fld>
             <a:endParaRPr lang="zh-CN" altLang="en-US"/>
           </a:p>
@@ -859,7 +868,7 @@
           <a:p>
             <a:fld id="{A9C90B87-DE1A-4FDE-9895-3F8FF2A5AC79}" type="datetimeFigureOut">
               <a:rPr lang="zh-CN" altLang="en-US" smtClean="0"/>
-              <a:t>2024/11/15</a:t>
+              <a:t>2024/11/25</a:t>
             </a:fld>
             <a:endParaRPr lang="zh-CN" altLang="en-US"/>
           </a:p>
@@ -1134,7 +1143,7 @@
           <a:p>
             <a:fld id="{A9C90B87-DE1A-4FDE-9895-3F8FF2A5AC79}" type="datetimeFigureOut">
               <a:rPr lang="zh-CN" altLang="en-US" smtClean="0"/>
-              <a:t>2024/11/15</a:t>
+              <a:t>2024/11/25</a:t>
             </a:fld>
             <a:endParaRPr lang="zh-CN" altLang="en-US"/>
           </a:p>
@@ -1399,7 +1408,7 @@
           <a:p>
             <a:fld id="{A9C90B87-DE1A-4FDE-9895-3F8FF2A5AC79}" type="datetimeFigureOut">
               <a:rPr lang="zh-CN" altLang="en-US" smtClean="0"/>
-              <a:t>2024/11/15</a:t>
+              <a:t>2024/11/25</a:t>
             </a:fld>
             <a:endParaRPr lang="zh-CN" altLang="en-US"/>
           </a:p>
@@ -1811,7 +1820,7 @@
           <a:p>
             <a:fld id="{A9C90B87-DE1A-4FDE-9895-3F8FF2A5AC79}" type="datetimeFigureOut">
               <a:rPr lang="zh-CN" altLang="en-US" smtClean="0"/>
-              <a:t>2024/11/15</a:t>
+              <a:t>2024/11/25</a:t>
             </a:fld>
             <a:endParaRPr lang="zh-CN" altLang="en-US"/>
           </a:p>
@@ -1952,7 +1961,7 @@
           <a:p>
             <a:fld id="{A9C90B87-DE1A-4FDE-9895-3F8FF2A5AC79}" type="datetimeFigureOut">
               <a:rPr lang="zh-CN" altLang="en-US" smtClean="0"/>
-              <a:t>2024/11/15</a:t>
+              <a:t>2024/11/25</a:t>
             </a:fld>
             <a:endParaRPr lang="zh-CN" altLang="en-US"/>
           </a:p>
@@ -2065,7 +2074,7 @@
           <a:p>
             <a:fld id="{A9C90B87-DE1A-4FDE-9895-3F8FF2A5AC79}" type="datetimeFigureOut">
               <a:rPr lang="zh-CN" altLang="en-US" smtClean="0"/>
-              <a:t>2024/11/15</a:t>
+              <a:t>2024/11/25</a:t>
             </a:fld>
             <a:endParaRPr lang="zh-CN" altLang="en-US"/>
           </a:p>
@@ -2376,7 +2385,7 @@
           <a:p>
             <a:fld id="{A9C90B87-DE1A-4FDE-9895-3F8FF2A5AC79}" type="datetimeFigureOut">
               <a:rPr lang="zh-CN" altLang="en-US" smtClean="0"/>
-              <a:t>2024/11/15</a:t>
+              <a:t>2024/11/25</a:t>
             </a:fld>
             <a:endParaRPr lang="zh-CN" altLang="en-US"/>
           </a:p>
@@ -2664,7 +2673,7 @@
           <a:p>
             <a:fld id="{A9C90B87-DE1A-4FDE-9895-3F8FF2A5AC79}" type="datetimeFigureOut">
               <a:rPr lang="zh-CN" altLang="en-US" smtClean="0"/>
-              <a:t>2024/11/15</a:t>
+              <a:t>2024/11/25</a:t>
             </a:fld>
             <a:endParaRPr lang="zh-CN" altLang="en-US"/>
           </a:p>
@@ -2905,7 +2914,7 @@
           <a:p>
             <a:fld id="{A9C90B87-DE1A-4FDE-9895-3F8FF2A5AC79}" type="datetimeFigureOut">
               <a:rPr lang="zh-CN" altLang="en-US" smtClean="0"/>
-              <a:t>2024/11/15</a:t>
+              <a:t>2024/11/25</a:t>
             </a:fld>
             <a:endParaRPr lang="zh-CN" altLang="en-US"/>
           </a:p>
@@ -3327,55 +3336,119 @@
           <p:cNvPr id="2" name="标题 1">
             <a:extLst>
               <a:ext uri="{FF2B5EF4-FFF2-40B4-BE49-F238E27FC236}">
-                <a16:creationId xmlns:a16="http://schemas.microsoft.com/office/drawing/2014/main" id="{8FE76996-FE54-D30D-B0EA-3E0BB5012904}"/>
-              </a:ext>
-            </a:extLst>
-          </p:cNvPr>
-          <p:cNvSpPr>
-            <a:spLocks noGrp="1"/>
-          </p:cNvSpPr>
-          <p:nvPr>
-            <p:ph type="ctrTitle"/>
-          </p:nvPr>
-        </p:nvSpPr>
-        <p:spPr/>
-        <p:txBody>
-          <a:bodyPr/>
-          <a:lstStyle/>
-          <a:p>
-            <a:endParaRPr lang="zh-CN" altLang="en-US"/>
-          </a:p>
-        </p:txBody>
-      </p:sp>
-      <p:sp>
-        <p:nvSpPr>
-          <p:cNvPr id="3" name="副标题 2">
-            <a:extLst>
-              <a:ext uri="{FF2B5EF4-FFF2-40B4-BE49-F238E27FC236}">
-                <a16:creationId xmlns:a16="http://schemas.microsoft.com/office/drawing/2014/main" id="{71354F60-CDDB-F476-9892-589EAA1622A1}"/>
-              </a:ext>
-            </a:extLst>
-          </p:cNvPr>
-          <p:cNvSpPr>
-            <a:spLocks noGrp="1"/>
-          </p:cNvSpPr>
-          <p:nvPr>
-            <p:ph type="subTitle" idx="1"/>
-          </p:nvPr>
-        </p:nvSpPr>
-        <p:spPr/>
-        <p:txBody>
-          <a:bodyPr/>
-          <a:lstStyle/>
-          <a:p>
-            <a:endParaRPr lang="zh-CN" altLang="en-US"/>
+                <a16:creationId xmlns:a16="http://schemas.microsoft.com/office/drawing/2014/main" id="{5BD9EB57-8CBA-C14C-1EAB-688D5D7B80D6}"/>
+              </a:ext>
+            </a:extLst>
+          </p:cNvPr>
+          <p:cNvSpPr>
+            <a:spLocks noGrp="1"/>
+          </p:cNvSpPr>
+          <p:nvPr>
+            <p:ph type="title"/>
+          </p:nvPr>
+        </p:nvSpPr>
+        <p:spPr/>
+        <p:txBody>
+          <a:bodyPr/>
+          <a:lstStyle/>
+          <a:p>
+            <a:r>
+              <a:rPr lang="en-US" altLang="zh-CN" b="1" dirty="0"/>
+              <a:t>Contents</a:t>
+            </a:r>
+            <a:endParaRPr lang="zh-CN" altLang="en-US" b="1" dirty="0"/>
+          </a:p>
+        </p:txBody>
+      </p:sp>
+      <p:sp>
+        <p:nvSpPr>
+          <p:cNvPr id="3" name="内容占位符 2">
+            <a:extLst>
+              <a:ext uri="{FF2B5EF4-FFF2-40B4-BE49-F238E27FC236}">
+                <a16:creationId xmlns:a16="http://schemas.microsoft.com/office/drawing/2014/main" id="{A549BE4E-DA16-36DF-02A9-73B8FE1AB5AB}"/>
+              </a:ext>
+            </a:extLst>
+          </p:cNvPr>
+          <p:cNvSpPr>
+            <a:spLocks noGrp="1"/>
+          </p:cNvSpPr>
+          <p:nvPr>
+            <p:ph idx="1"/>
+          </p:nvPr>
+        </p:nvSpPr>
+        <p:spPr/>
+        <p:txBody>
+          <a:bodyPr/>
+          <a:lstStyle/>
+          <a:p>
+            <a:pPr>
+              <a:lnSpc>
+                <a:spcPct val="150000"/>
+              </a:lnSpc>
+            </a:pPr>
+            <a:r>
+              <a:rPr lang="en-US" altLang="zh-CN" dirty="0"/>
+              <a:t>Research Problem</a:t>
+            </a:r>
+          </a:p>
+          <a:p>
+            <a:pPr>
+              <a:lnSpc>
+                <a:spcPct val="150000"/>
+              </a:lnSpc>
+            </a:pPr>
+            <a:r>
+              <a:rPr lang="en-US" altLang="zh-CN" dirty="0"/>
+              <a:t>Applicable Scenarios</a:t>
+            </a:r>
+          </a:p>
+          <a:p>
+            <a:pPr>
+              <a:lnSpc>
+                <a:spcPct val="150000"/>
+              </a:lnSpc>
+            </a:pPr>
+            <a:r>
+              <a:rPr lang="en-US" altLang="zh-CN" dirty="0"/>
+              <a:t>Different Approaches (Limitations)</a:t>
+            </a:r>
+          </a:p>
+          <a:p>
+            <a:pPr>
+              <a:lnSpc>
+                <a:spcPct val="150000"/>
+              </a:lnSpc>
+            </a:pPr>
+            <a:r>
+              <a:rPr lang="en-US" altLang="zh-CN" dirty="0"/>
+              <a:t>Design Methods for Swapping Techniques</a:t>
+            </a:r>
+          </a:p>
+          <a:p>
+            <a:pPr>
+              <a:lnSpc>
+                <a:spcPct val="150000"/>
+              </a:lnSpc>
+            </a:pPr>
+            <a:r>
+              <a:rPr lang="en-US" altLang="zh-CN" dirty="0"/>
+              <a:t>Assumptions</a:t>
+            </a:r>
+          </a:p>
+          <a:p>
+            <a:pPr>
+              <a:lnSpc>
+                <a:spcPct val="150000"/>
+              </a:lnSpc>
+            </a:pPr>
+            <a:endParaRPr lang="zh-CN" altLang="en-US" dirty="0"/>
           </a:p>
         </p:txBody>
       </p:sp>
     </p:spTree>
     <p:extLst>
       <p:ext uri="{BB962C8B-B14F-4D97-AF65-F5344CB8AC3E}">
-        <p14:creationId xmlns:p14="http://schemas.microsoft.com/office/powerpoint/2010/main" val="4021664538"/>
+        <p14:creationId xmlns:p14="http://schemas.microsoft.com/office/powerpoint/2010/main" val="1034173559"/>
       </p:ext>
     </p:extLst>
   </p:cSld>
@@ -3407,7 +3480,7 @@
           <p:cNvPr id="2" name="标题 1">
             <a:extLst>
               <a:ext uri="{FF2B5EF4-FFF2-40B4-BE49-F238E27FC236}">
-                <a16:creationId xmlns:a16="http://schemas.microsoft.com/office/drawing/2014/main" id="{5BD9EB57-8CBA-C14C-1EAB-688D5D7B80D6}"/>
+                <a16:creationId xmlns:a16="http://schemas.microsoft.com/office/drawing/2014/main" id="{E70756EA-C9F8-0056-61E4-06D203E3BAAB}"/>
               </a:ext>
             </a:extLst>
           </p:cNvPr>
@@ -3423,7 +3496,11 @@
           <a:bodyPr/>
           <a:lstStyle/>
           <a:p>
-            <a:endParaRPr lang="zh-CN" altLang="en-US"/>
+            <a:r>
+              <a:rPr lang="en-US" altLang="zh-CN" b="1" dirty="0"/>
+              <a:t>Research Problem</a:t>
+            </a:r>
+            <a:endParaRPr lang="zh-CN" altLang="en-US" b="1" dirty="0"/>
           </a:p>
         </p:txBody>
       </p:sp>
@@ -3432,7 +3509,7 @@
           <p:cNvPr id="3" name="内容占位符 2">
             <a:extLst>
               <a:ext uri="{FF2B5EF4-FFF2-40B4-BE49-F238E27FC236}">
-                <a16:creationId xmlns:a16="http://schemas.microsoft.com/office/drawing/2014/main" id="{A549BE4E-DA16-36DF-02A9-73B8FE1AB5AB}"/>
+                <a16:creationId xmlns:a16="http://schemas.microsoft.com/office/drawing/2014/main" id="{78153C00-6ABA-8519-080B-6CACFE3AEE02}"/>
               </a:ext>
             </a:extLst>
           </p:cNvPr>
@@ -3448,14 +3525,687 @@
           <a:bodyPr/>
           <a:lstStyle/>
           <a:p>
-            <a:endParaRPr lang="zh-CN" altLang="en-US"/>
+            <a:pPr>
+              <a:lnSpc>
+                <a:spcPct val="150000"/>
+              </a:lnSpc>
+            </a:pPr>
+            <a:r>
+              <a:rPr lang="en-US" altLang="zh-CN" dirty="0"/>
+              <a:t>Manage memory for </a:t>
+            </a:r>
+            <a:r>
+              <a:rPr lang="en-US" altLang="zh-CN" b="1" dirty="0"/>
+              <a:t>deep learning </a:t>
+            </a:r>
+            <a:r>
+              <a:rPr lang="en-US" altLang="zh-CN" dirty="0"/>
+              <a:t>workloads.</a:t>
+            </a:r>
+          </a:p>
+          <a:p>
+            <a:pPr>
+              <a:lnSpc>
+                <a:spcPct val="150000"/>
+              </a:lnSpc>
+            </a:pPr>
+            <a:r>
+              <a:rPr lang="en-US" altLang="zh-CN" dirty="0"/>
+              <a:t>Models </a:t>
+            </a:r>
+            <a:r>
+              <a:rPr lang="en-US" altLang="zh-CN" b="1" dirty="0"/>
+              <a:t>outgrow</a:t>
+            </a:r>
+            <a:r>
+              <a:rPr lang="en-US" altLang="zh-CN" dirty="0"/>
+              <a:t> the memory capacity of available hardware, including GPUs, CPUs, and heterogeneous memory systems.</a:t>
+            </a:r>
+            <a:endParaRPr lang="zh-CN" altLang="en-US" dirty="0"/>
           </a:p>
         </p:txBody>
       </p:sp>
     </p:spTree>
     <p:extLst>
       <p:ext uri="{BB962C8B-B14F-4D97-AF65-F5344CB8AC3E}">
-        <p14:creationId xmlns:p14="http://schemas.microsoft.com/office/powerpoint/2010/main" val="1034173559"/>
+        <p14:creationId xmlns:p14="http://schemas.microsoft.com/office/powerpoint/2010/main" val="4202919306"/>
+      </p:ext>
+    </p:extLst>
+  </p:cSld>
+  <p:clrMapOvr>
+    <a:masterClrMapping/>
+  </p:clrMapOvr>
+</p:sld>
+</file>
+
+<file path=ppt/slides/slide3.xml><?xml version="1.0" encoding="utf-8"?>
+<p:sld xmlns:a="http://schemas.openxmlformats.org/drawingml/2006/main" xmlns:r="http://schemas.openxmlformats.org/officeDocument/2006/relationships" xmlns:p="http://schemas.openxmlformats.org/presentationml/2006/main">
+  <p:cSld>
+    <p:spTree>
+      <p:nvGrpSpPr>
+        <p:cNvPr id="1" name=""/>
+        <p:cNvGrpSpPr/>
+        <p:nvPr/>
+      </p:nvGrpSpPr>
+      <p:grpSpPr>
+        <a:xfrm>
+          <a:off x="0" y="0"/>
+          <a:ext cx="0" cy="0"/>
+          <a:chOff x="0" y="0"/>
+          <a:chExt cx="0" cy="0"/>
+        </a:xfrm>
+      </p:grpSpPr>
+      <p:sp>
+        <p:nvSpPr>
+          <p:cNvPr id="2" name="标题 1">
+            <a:extLst>
+              <a:ext uri="{FF2B5EF4-FFF2-40B4-BE49-F238E27FC236}">
+                <a16:creationId xmlns:a16="http://schemas.microsoft.com/office/drawing/2014/main" id="{BAA5AD51-2B5C-3FAA-890A-578AD81BD63A}"/>
+              </a:ext>
+            </a:extLst>
+          </p:cNvPr>
+          <p:cNvSpPr>
+            <a:spLocks noGrp="1"/>
+          </p:cNvSpPr>
+          <p:nvPr>
+            <p:ph type="title"/>
+          </p:nvPr>
+        </p:nvSpPr>
+        <p:spPr/>
+        <p:txBody>
+          <a:bodyPr/>
+          <a:lstStyle/>
+          <a:p>
+            <a:r>
+              <a:rPr lang="en-US" altLang="zh-CN" b="1" dirty="0"/>
+              <a:t>Applicable Scenarios</a:t>
+            </a:r>
+            <a:endParaRPr lang="zh-CN" altLang="en-US" b="1" dirty="0"/>
+          </a:p>
+        </p:txBody>
+      </p:sp>
+      <p:sp>
+        <p:nvSpPr>
+          <p:cNvPr id="3" name="内容占位符 2">
+            <a:extLst>
+              <a:ext uri="{FF2B5EF4-FFF2-40B4-BE49-F238E27FC236}">
+                <a16:creationId xmlns:a16="http://schemas.microsoft.com/office/drawing/2014/main" id="{584853FB-8BC6-24A2-4FBC-8AF80F26FE4E}"/>
+              </a:ext>
+            </a:extLst>
+          </p:cNvPr>
+          <p:cNvSpPr>
+            <a:spLocks noGrp="1"/>
+          </p:cNvSpPr>
+          <p:nvPr>
+            <p:ph idx="1"/>
+          </p:nvPr>
+        </p:nvSpPr>
+        <p:spPr/>
+        <p:txBody>
+          <a:bodyPr/>
+          <a:lstStyle/>
+          <a:p>
+            <a:pPr>
+              <a:lnSpc>
+                <a:spcPct val="150000"/>
+              </a:lnSpc>
+            </a:pPr>
+            <a:r>
+              <a:rPr lang="en-US" altLang="zh-CN" dirty="0"/>
+              <a:t>High-end Data Centers</a:t>
+            </a:r>
+          </a:p>
+          <a:p>
+            <a:pPr>
+              <a:lnSpc>
+                <a:spcPct val="150000"/>
+              </a:lnSpc>
+            </a:pPr>
+            <a:r>
+              <a:rPr lang="en-US" altLang="zh-CN" dirty="0"/>
+              <a:t>Common computing platform for researchers and developers</a:t>
+            </a:r>
+            <a:endParaRPr lang="zh-CN" altLang="en-US" dirty="0"/>
+          </a:p>
+        </p:txBody>
+      </p:sp>
+    </p:spTree>
+    <p:extLst>
+      <p:ext uri="{BB962C8B-B14F-4D97-AF65-F5344CB8AC3E}">
+        <p14:creationId xmlns:p14="http://schemas.microsoft.com/office/powerpoint/2010/main" val="1046520479"/>
+      </p:ext>
+    </p:extLst>
+  </p:cSld>
+  <p:clrMapOvr>
+    <a:masterClrMapping/>
+  </p:clrMapOvr>
+</p:sld>
+</file>
+
+<file path=ppt/slides/slide4.xml><?xml version="1.0" encoding="utf-8"?>
+<p:sld xmlns:a="http://schemas.openxmlformats.org/drawingml/2006/main" xmlns:r="http://schemas.openxmlformats.org/officeDocument/2006/relationships" xmlns:p="http://schemas.openxmlformats.org/presentationml/2006/main">
+  <p:cSld>
+    <p:spTree>
+      <p:nvGrpSpPr>
+        <p:cNvPr id="1" name=""/>
+        <p:cNvGrpSpPr/>
+        <p:nvPr/>
+      </p:nvGrpSpPr>
+      <p:grpSpPr>
+        <a:xfrm>
+          <a:off x="0" y="0"/>
+          <a:ext cx="0" cy="0"/>
+          <a:chOff x="0" y="0"/>
+          <a:chExt cx="0" cy="0"/>
+        </a:xfrm>
+      </p:grpSpPr>
+      <p:sp>
+        <p:nvSpPr>
+          <p:cNvPr id="2" name="标题 1">
+            <a:extLst>
+              <a:ext uri="{FF2B5EF4-FFF2-40B4-BE49-F238E27FC236}">
+                <a16:creationId xmlns:a16="http://schemas.microsoft.com/office/drawing/2014/main" id="{B5924626-C792-41ED-E944-5FE7AC3670C7}"/>
+              </a:ext>
+            </a:extLst>
+          </p:cNvPr>
+          <p:cNvSpPr>
+            <a:spLocks noGrp="1"/>
+          </p:cNvSpPr>
+          <p:nvPr>
+            <p:ph type="title"/>
+          </p:nvPr>
+        </p:nvSpPr>
+        <p:spPr>
+          <a:xfrm>
+            <a:off x="423894" y="0"/>
+            <a:ext cx="10515600" cy="1325563"/>
+          </a:xfrm>
+        </p:spPr>
+        <p:txBody>
+          <a:bodyPr>
+            <a:normAutofit/>
+          </a:bodyPr>
+          <a:lstStyle/>
+          <a:p>
+            <a:r>
+              <a:rPr lang="en-US" altLang="zh-CN" sz="3600" b="1" dirty="0"/>
+              <a:t>Different Approaches</a:t>
+            </a:r>
+            <a:endParaRPr lang="zh-CN" altLang="en-US" sz="3600" b="1" dirty="0"/>
+          </a:p>
+        </p:txBody>
+      </p:sp>
+      <p:sp>
+        <p:nvSpPr>
+          <p:cNvPr id="3" name="内容占位符 2">
+            <a:extLst>
+              <a:ext uri="{FF2B5EF4-FFF2-40B4-BE49-F238E27FC236}">
+                <a16:creationId xmlns:a16="http://schemas.microsoft.com/office/drawing/2014/main" id="{C58C0777-C738-DD6B-E45A-C5F82981D6A4}"/>
+              </a:ext>
+            </a:extLst>
+          </p:cNvPr>
+          <p:cNvSpPr>
+            <a:spLocks noGrp="1"/>
+          </p:cNvSpPr>
+          <p:nvPr>
+            <p:ph idx="1"/>
+          </p:nvPr>
+        </p:nvSpPr>
+        <p:spPr>
+          <a:xfrm>
+            <a:off x="575285" y="1114237"/>
+            <a:ext cx="11250854" cy="5601457"/>
+          </a:xfrm>
+        </p:spPr>
+        <p:txBody>
+          <a:bodyPr>
+            <a:normAutofit lnSpcReduction="10000"/>
+          </a:bodyPr>
+          <a:lstStyle/>
+          <a:p>
+            <a:pPr>
+              <a:lnSpc>
+                <a:spcPct val="120000"/>
+              </a:lnSpc>
+            </a:pPr>
+            <a:r>
+              <a:rPr lang="en-US" altLang="zh-CN" sz="2400" b="1" dirty="0"/>
+              <a:t>Compression-Based Approaches</a:t>
+            </a:r>
+          </a:p>
+          <a:p>
+            <a:pPr lvl="1">
+              <a:lnSpc>
+                <a:spcPct val="120000"/>
+              </a:lnSpc>
+            </a:pPr>
+            <a:r>
+              <a:rPr lang="en-US" altLang="zh-CN" sz="2000" dirty="0"/>
+              <a:t>e.g. quantization, pruning</a:t>
+            </a:r>
+          </a:p>
+          <a:p>
+            <a:pPr lvl="1">
+              <a:lnSpc>
+                <a:spcPct val="120000"/>
+              </a:lnSpc>
+            </a:pPr>
+            <a:r>
+              <a:rPr lang="en-US" altLang="zh-CN" sz="2000" dirty="0"/>
+              <a:t>Limitations: Accuracy degradation and the need for hyperparameter tuning.</a:t>
+            </a:r>
+          </a:p>
+          <a:p>
+            <a:pPr>
+              <a:lnSpc>
+                <a:spcPct val="120000"/>
+              </a:lnSpc>
+            </a:pPr>
+            <a:r>
+              <a:rPr lang="en-US" altLang="zh-CN" sz="2400" b="1" dirty="0">
+                <a:solidFill>
+                  <a:srgbClr val="C00000"/>
+                </a:solidFill>
+              </a:rPr>
+              <a:t>Swapping Techniques</a:t>
+            </a:r>
+          </a:p>
+          <a:p>
+            <a:pPr lvl="1">
+              <a:lnSpc>
+                <a:spcPct val="120000"/>
+              </a:lnSpc>
+            </a:pPr>
+            <a:r>
+              <a:rPr lang="en-US" altLang="zh-CN" sz="2000" dirty="0"/>
+              <a:t>Swapping tensors or data between GPU memory and external memory (e.g., CPU memory or SSD).</a:t>
+            </a:r>
+          </a:p>
+          <a:p>
+            <a:pPr lvl="1">
+              <a:lnSpc>
+                <a:spcPct val="120000"/>
+              </a:lnSpc>
+            </a:pPr>
+            <a:r>
+              <a:rPr lang="en-US" altLang="zh-CN" sz="2000" dirty="0"/>
+              <a:t>Limitations: Bandwidth constraints, latency overhead, and complexity in scheduling. (For Unified Memory, Overhead from address translation and page fault handling)</a:t>
+            </a:r>
+          </a:p>
+          <a:p>
+            <a:pPr>
+              <a:lnSpc>
+                <a:spcPct val="120000"/>
+              </a:lnSpc>
+            </a:pPr>
+            <a:r>
+              <a:rPr lang="en-US" altLang="zh-CN" sz="2400" b="1" dirty="0" err="1"/>
+              <a:t>Recomputation</a:t>
+            </a:r>
+            <a:r>
+              <a:rPr lang="en-US" altLang="zh-CN" sz="2400" b="1" dirty="0"/>
+              <a:t>-Based Approaches</a:t>
+            </a:r>
+          </a:p>
+          <a:p>
+            <a:pPr lvl="1">
+              <a:lnSpc>
+                <a:spcPct val="120000"/>
+              </a:lnSpc>
+            </a:pPr>
+            <a:r>
+              <a:rPr lang="en-US" altLang="zh-CN" sz="2000" dirty="0"/>
+              <a:t>Discarding intermediate data and recomputing it on demand.</a:t>
+            </a:r>
+          </a:p>
+          <a:p>
+            <a:pPr lvl="1">
+              <a:lnSpc>
+                <a:spcPct val="120000"/>
+              </a:lnSpc>
+            </a:pPr>
+            <a:r>
+              <a:rPr lang="en-US" altLang="zh-CN" sz="2000" dirty="0"/>
+              <a:t>Limitations: Overhead in terms of time and energy. </a:t>
+            </a:r>
+          </a:p>
+          <a:p>
+            <a:pPr>
+              <a:lnSpc>
+                <a:spcPct val="120000"/>
+              </a:lnSpc>
+            </a:pPr>
+            <a:r>
+              <a:rPr lang="en-US" altLang="zh-CN" sz="2400" b="1" dirty="0"/>
+              <a:t>Model Parallelism</a:t>
+            </a:r>
+          </a:p>
+          <a:p>
+            <a:pPr lvl="1">
+              <a:lnSpc>
+                <a:spcPct val="120000"/>
+              </a:lnSpc>
+            </a:pPr>
+            <a:r>
+              <a:rPr lang="en-US" altLang="zh-CN" sz="2000" dirty="0"/>
+              <a:t>Distributing a model across multiple GPUs or nodes.</a:t>
+            </a:r>
+          </a:p>
+        </p:txBody>
+      </p:sp>
+    </p:spTree>
+    <p:extLst>
+      <p:ext uri="{BB962C8B-B14F-4D97-AF65-F5344CB8AC3E}">
+        <p14:creationId xmlns:p14="http://schemas.microsoft.com/office/powerpoint/2010/main" val="4184721154"/>
+      </p:ext>
+    </p:extLst>
+  </p:cSld>
+  <p:clrMapOvr>
+    <a:masterClrMapping/>
+  </p:clrMapOvr>
+</p:sld>
+</file>
+
+<file path=ppt/slides/slide5.xml><?xml version="1.0" encoding="utf-8"?>
+<p:sld xmlns:a="http://schemas.openxmlformats.org/drawingml/2006/main" xmlns:r="http://schemas.openxmlformats.org/officeDocument/2006/relationships" xmlns:p="http://schemas.openxmlformats.org/presentationml/2006/main">
+  <p:cSld>
+    <p:spTree>
+      <p:nvGrpSpPr>
+        <p:cNvPr id="1" name=""/>
+        <p:cNvGrpSpPr/>
+        <p:nvPr/>
+      </p:nvGrpSpPr>
+      <p:grpSpPr>
+        <a:xfrm>
+          <a:off x="0" y="0"/>
+          <a:ext cx="0" cy="0"/>
+          <a:chOff x="0" y="0"/>
+          <a:chExt cx="0" cy="0"/>
+        </a:xfrm>
+      </p:grpSpPr>
+      <p:sp>
+        <p:nvSpPr>
+          <p:cNvPr id="2" name="标题 1">
+            <a:extLst>
+              <a:ext uri="{FF2B5EF4-FFF2-40B4-BE49-F238E27FC236}">
+                <a16:creationId xmlns:a16="http://schemas.microsoft.com/office/drawing/2014/main" id="{528FF0C6-9082-2307-B9FB-723D879B7853}"/>
+              </a:ext>
+            </a:extLst>
+          </p:cNvPr>
+          <p:cNvSpPr>
+            <a:spLocks noGrp="1"/>
+          </p:cNvSpPr>
+          <p:nvPr>
+            <p:ph type="title"/>
+          </p:nvPr>
+        </p:nvSpPr>
+        <p:spPr/>
+        <p:txBody>
+          <a:bodyPr/>
+          <a:lstStyle/>
+          <a:p>
+            <a:r>
+              <a:rPr lang="en-US" altLang="zh-CN" b="1" dirty="0"/>
+              <a:t>Swapping Techniques—Design Methods</a:t>
+            </a:r>
+            <a:endParaRPr lang="zh-CN" altLang="en-US" b="1" dirty="0"/>
+          </a:p>
+        </p:txBody>
+      </p:sp>
+      <p:sp>
+        <p:nvSpPr>
+          <p:cNvPr id="3" name="内容占位符 2">
+            <a:extLst>
+              <a:ext uri="{FF2B5EF4-FFF2-40B4-BE49-F238E27FC236}">
+                <a16:creationId xmlns:a16="http://schemas.microsoft.com/office/drawing/2014/main" id="{DAF78782-5E42-37C3-3435-6EE34F291AC5}"/>
+              </a:ext>
+            </a:extLst>
+          </p:cNvPr>
+          <p:cNvSpPr>
+            <a:spLocks noGrp="1"/>
+          </p:cNvSpPr>
+          <p:nvPr>
+            <p:ph idx="1"/>
+          </p:nvPr>
+        </p:nvSpPr>
+        <p:spPr/>
+        <p:txBody>
+          <a:bodyPr/>
+          <a:lstStyle/>
+          <a:p>
+            <a:pPr>
+              <a:lnSpc>
+                <a:spcPct val="120000"/>
+              </a:lnSpc>
+            </a:pPr>
+            <a:r>
+              <a:rPr lang="en-US" altLang="zh-CN" dirty="0"/>
+              <a:t>Expert Knowledge</a:t>
+            </a:r>
+          </a:p>
+          <a:p>
+            <a:pPr lvl="1">
+              <a:lnSpc>
+                <a:spcPct val="120000"/>
+              </a:lnSpc>
+            </a:pPr>
+            <a:r>
+              <a:rPr lang="en-US" altLang="zh-CN" dirty="0"/>
+              <a:t>Specific Layer</a:t>
+            </a:r>
+          </a:p>
+          <a:p>
+            <a:pPr lvl="1">
+              <a:lnSpc>
+                <a:spcPct val="120000"/>
+              </a:lnSpc>
+            </a:pPr>
+            <a:r>
+              <a:rPr lang="en-US" altLang="zh-CN" dirty="0"/>
+              <a:t>Consider reuse distance</a:t>
+            </a:r>
+          </a:p>
+          <a:p>
+            <a:pPr>
+              <a:lnSpc>
+                <a:spcPct val="120000"/>
+              </a:lnSpc>
+            </a:pPr>
+            <a:r>
+              <a:rPr lang="en-US" altLang="zh-CN" dirty="0"/>
+              <a:t>Heuristic</a:t>
+            </a:r>
+          </a:p>
+          <a:p>
+            <a:pPr lvl="1">
+              <a:lnSpc>
+                <a:spcPct val="120000"/>
+              </a:lnSpc>
+            </a:pPr>
+            <a:r>
+              <a:rPr lang="en-US" altLang="zh-CN" dirty="0"/>
+              <a:t>Greedy</a:t>
+            </a:r>
+          </a:p>
+          <a:p>
+            <a:pPr>
+              <a:lnSpc>
+                <a:spcPct val="120000"/>
+              </a:lnSpc>
+            </a:pPr>
+            <a:r>
+              <a:rPr lang="en-US" altLang="zh-CN" dirty="0"/>
+              <a:t>Meta-heuristic</a:t>
+            </a:r>
+          </a:p>
+          <a:p>
+            <a:pPr lvl="1">
+              <a:lnSpc>
+                <a:spcPct val="120000"/>
+              </a:lnSpc>
+            </a:pPr>
+            <a:r>
+              <a:rPr lang="en-US" altLang="zh-CN" dirty="0"/>
+              <a:t>Genetic Algorithm</a:t>
+            </a:r>
+          </a:p>
+        </p:txBody>
+      </p:sp>
+    </p:spTree>
+    <p:extLst>
+      <p:ext uri="{BB962C8B-B14F-4D97-AF65-F5344CB8AC3E}">
+        <p14:creationId xmlns:p14="http://schemas.microsoft.com/office/powerpoint/2010/main" val="920145771"/>
+      </p:ext>
+    </p:extLst>
+  </p:cSld>
+  <p:clrMapOvr>
+    <a:masterClrMapping/>
+  </p:clrMapOvr>
+</p:sld>
+</file>
+
+<file path=ppt/slides/slide6.xml><?xml version="1.0" encoding="utf-8"?>
+<p:sld xmlns:a="http://schemas.openxmlformats.org/drawingml/2006/main" xmlns:r="http://schemas.openxmlformats.org/officeDocument/2006/relationships" xmlns:p="http://schemas.openxmlformats.org/presentationml/2006/main">
+  <p:cSld>
+    <p:spTree>
+      <p:nvGrpSpPr>
+        <p:cNvPr id="1" name=""/>
+        <p:cNvGrpSpPr/>
+        <p:nvPr/>
+      </p:nvGrpSpPr>
+      <p:grpSpPr>
+        <a:xfrm>
+          <a:off x="0" y="0"/>
+          <a:ext cx="0" cy="0"/>
+          <a:chOff x="0" y="0"/>
+          <a:chExt cx="0" cy="0"/>
+        </a:xfrm>
+      </p:grpSpPr>
+      <p:sp>
+        <p:nvSpPr>
+          <p:cNvPr id="2" name="标题 1">
+            <a:extLst>
+              <a:ext uri="{FF2B5EF4-FFF2-40B4-BE49-F238E27FC236}">
+                <a16:creationId xmlns:a16="http://schemas.microsoft.com/office/drawing/2014/main" id="{9C576A7A-D47F-E8EF-F227-13E7DF3B8EE0}"/>
+              </a:ext>
+            </a:extLst>
+          </p:cNvPr>
+          <p:cNvSpPr>
+            <a:spLocks noGrp="1"/>
+          </p:cNvSpPr>
+          <p:nvPr>
+            <p:ph type="title"/>
+          </p:nvPr>
+        </p:nvSpPr>
+        <p:spPr/>
+        <p:txBody>
+          <a:bodyPr/>
+          <a:lstStyle/>
+          <a:p>
+            <a:r>
+              <a:rPr lang="en-US" altLang="zh-CN" b="1" dirty="0"/>
+              <a:t>Assumptions</a:t>
+            </a:r>
+            <a:endParaRPr lang="zh-CN" altLang="en-US" b="1" dirty="0"/>
+          </a:p>
+        </p:txBody>
+      </p:sp>
+      <p:sp>
+        <p:nvSpPr>
+          <p:cNvPr id="3" name="内容占位符 2">
+            <a:extLst>
+              <a:ext uri="{FF2B5EF4-FFF2-40B4-BE49-F238E27FC236}">
+                <a16:creationId xmlns:a16="http://schemas.microsoft.com/office/drawing/2014/main" id="{7B15EF2D-126E-2A06-AAB3-20022A31D010}"/>
+              </a:ext>
+            </a:extLst>
+          </p:cNvPr>
+          <p:cNvSpPr>
+            <a:spLocks noGrp="1"/>
+          </p:cNvSpPr>
+          <p:nvPr>
+            <p:ph idx="1"/>
+          </p:nvPr>
+        </p:nvSpPr>
+        <p:spPr/>
+        <p:txBody>
+          <a:bodyPr/>
+          <a:lstStyle/>
+          <a:p>
+            <a:pPr>
+              <a:lnSpc>
+                <a:spcPct val="150000"/>
+              </a:lnSpc>
+            </a:pPr>
+            <a:r>
+              <a:rPr lang="en-US" altLang="zh-CN" dirty="0"/>
+              <a:t>Static dataflow graph with no control-flow primitives</a:t>
+            </a:r>
+          </a:p>
+          <a:p>
+            <a:pPr lvl="1">
+              <a:lnSpc>
+                <a:spcPct val="150000"/>
+              </a:lnSpc>
+            </a:pPr>
+            <a:r>
+              <a:rPr lang="en-US" altLang="zh-CN" dirty="0" err="1"/>
+              <a:t>Tensorflow</a:t>
+            </a:r>
+            <a:r>
+              <a:rPr lang="en-US" altLang="zh-CN" dirty="0"/>
+              <a:t> 1.0</a:t>
+            </a:r>
+          </a:p>
+          <a:p>
+            <a:pPr>
+              <a:lnSpc>
+                <a:spcPct val="150000"/>
+              </a:lnSpc>
+            </a:pPr>
+            <a:r>
+              <a:rPr lang="en-US" altLang="zh-CN" dirty="0"/>
+              <a:t>Single GPU</a:t>
+            </a:r>
+          </a:p>
+          <a:p>
+            <a:pPr>
+              <a:lnSpc>
+                <a:spcPct val="150000"/>
+              </a:lnSpc>
+            </a:pPr>
+            <a:r>
+              <a:rPr lang="en-US" altLang="zh-CN" u="sng" dirty="0"/>
+              <a:t>Application Level (not OS-related)</a:t>
+            </a:r>
+          </a:p>
+          <a:p>
+            <a:pPr lvl="1">
+              <a:lnSpc>
+                <a:spcPct val="150000"/>
+              </a:lnSpc>
+            </a:pPr>
+            <a:r>
+              <a:rPr lang="en-US" altLang="zh-CN" dirty="0"/>
+              <a:t>Compiler-based</a:t>
+            </a:r>
+          </a:p>
+          <a:p>
+            <a:pPr lvl="1">
+              <a:lnSpc>
+                <a:spcPct val="150000"/>
+              </a:lnSpc>
+            </a:pPr>
+            <a:r>
+              <a:rPr lang="en-US" altLang="zh-CN" dirty="0"/>
+              <a:t>Runtime profiling</a:t>
+            </a:r>
+          </a:p>
+        </p:txBody>
+      </p:sp>
+    </p:spTree>
+    <p:extLst>
+      <p:ext uri="{BB962C8B-B14F-4D97-AF65-F5344CB8AC3E}">
+        <p14:creationId xmlns:p14="http://schemas.microsoft.com/office/powerpoint/2010/main" val="3727165505"/>
       </p:ext>
     </p:extLst>
   </p:cSld>
